--- a/Александра Донина/Защита.pptx
+++ b/Александра Донина/Защита.pptx
@@ -5,7 +5,7 @@
     <p:sldMasterId id="2147483660" r:id="rId1"/>
   </p:sldMasterIdLst>
   <p:notesMasterIdLst>
-    <p:notesMasterId r:id="rId7"/>
+    <p:notesMasterId r:id="rId8"/>
   </p:notesMasterIdLst>
   <p:sldIdLst>
     <p:sldId id="256" r:id="rId2"/>
@@ -13,6 +13,7 @@
     <p:sldId id="258" r:id="rId4"/>
     <p:sldId id="259" r:id="rId5"/>
     <p:sldId id="260" r:id="rId6"/>
+    <p:sldId id="261" r:id="rId7"/>
   </p:sldIdLst>
   <p:sldSz cx="12192000" cy="6858000"/>
   <p:notesSz cx="6858000" cy="9144000"/>
@@ -111,6 +112,14 @@
       </a:defRPr>
     </a:lvl9pPr>
   </p:defaultTextStyle>
+  <p:extLst>
+    <p:ext uri="{EFAFB233-063F-42B5-8137-9DF3F51BA10A}">
+      <p15:sldGuideLst xmlns:p15="http://schemas.microsoft.com/office/powerpoint/2012/main"/>
+    </p:ext>
+    <p:ext uri="{2D200454-40CA-4A62-9FC3-DE9A4176ACB9}">
+      <p15:notesGuideLst xmlns:p15="http://schemas.microsoft.com/office/powerpoint/2012/main"/>
+    </p:ext>
+  </p:extLst>
 </p:presentation>
 </file>
 
@@ -196,7 +205,7 @@
           <a:p>
             <a:fld id="{46255DD2-5751-4927-8C66-F85EF0772B78}" type="datetimeFigureOut">
               <a:rPr lang="bg-BG" smtClean="0"/>
-              <a:t>13.05.2023</a:t>
+              <a:t>18.05.2023</a:t>
             </a:fld>
             <a:endParaRPr lang="bg-BG"/>
           </a:p>
@@ -509,293 +518,66 @@
           <a:lstStyle/>
           <a:p>
             <a:r>
-              <a:rPr lang="ru-RU" dirty="0" err="1" smtClean="0"/>
-              <a:t>Темата</a:t>
-            </a:r>
-            <a:r>
-              <a:rPr lang="ru-RU" dirty="0" smtClean="0"/>
-              <a:t> на моя </a:t>
-            </a:r>
-            <a:r>
-              <a:rPr lang="ru-RU" dirty="0" err="1" smtClean="0"/>
-              <a:t>дипломен</a:t>
-            </a:r>
-            <a:r>
-              <a:rPr lang="ru-RU" dirty="0" smtClean="0"/>
-              <a:t> проект е „</a:t>
-            </a:r>
-            <a:r>
-              <a:rPr lang="ru-RU" dirty="0" err="1" smtClean="0"/>
-              <a:t>Разработване</a:t>
-            </a:r>
-            <a:r>
-              <a:rPr lang="ru-RU" dirty="0" smtClean="0"/>
-              <a:t> на </a:t>
-            </a:r>
-            <a:r>
-              <a:rPr lang="ru-RU" dirty="0" err="1" smtClean="0"/>
-              <a:t>клиентски</a:t>
-            </a:r>
-            <a:r>
-              <a:rPr lang="ru-RU" dirty="0" smtClean="0"/>
-              <a:t> </a:t>
-            </a:r>
-            <a:r>
-              <a:rPr lang="ru-RU" dirty="0" err="1" smtClean="0"/>
-              <a:t>модул</a:t>
-            </a:r>
-            <a:r>
-              <a:rPr lang="ru-RU" dirty="0" smtClean="0"/>
-              <a:t> – част от: система за автоматично </a:t>
-            </a:r>
-            <a:r>
-              <a:rPr lang="ru-RU" dirty="0" err="1" smtClean="0"/>
-              <a:t>архивиране</a:t>
-            </a:r>
-            <a:r>
-              <a:rPr lang="ru-RU" dirty="0" smtClean="0"/>
-              <a:t> на информация (</a:t>
-            </a:r>
-            <a:r>
-              <a:rPr lang="ru-RU" dirty="0" err="1" smtClean="0"/>
-              <a:t>файлове</a:t>
-            </a:r>
-            <a:r>
-              <a:rPr lang="ru-RU" dirty="0" smtClean="0"/>
-              <a:t>) от работни станции на отдалечен </a:t>
-            </a:r>
-            <a:r>
-              <a:rPr lang="ru-RU" dirty="0" err="1" smtClean="0"/>
-              <a:t>сървър</a:t>
-            </a:r>
-            <a:r>
-              <a:rPr lang="ru-RU" dirty="0" smtClean="0"/>
-              <a:t> за </a:t>
-            </a:r>
-            <a:r>
-              <a:rPr lang="ru-RU" dirty="0" err="1" smtClean="0"/>
-              <a:t>съхранение</a:t>
-            </a:r>
-            <a:r>
-              <a:rPr lang="ru-RU" dirty="0" smtClean="0"/>
-              <a:t> на информация.“</a:t>
-            </a:r>
-          </a:p>
-          <a:p>
-            <a:r>
-              <a:rPr lang="ru-RU" dirty="0" err="1" smtClean="0"/>
-              <a:t>Заданието</a:t>
-            </a:r>
-            <a:r>
-              <a:rPr lang="ru-RU" dirty="0" smtClean="0"/>
-              <a:t> </a:t>
-            </a:r>
-            <a:r>
-              <a:rPr lang="ru-RU" dirty="0" err="1" smtClean="0"/>
-              <a:t>предполага</a:t>
-            </a:r>
-            <a:r>
-              <a:rPr lang="ru-RU" dirty="0" smtClean="0"/>
-              <a:t>, че </a:t>
-            </a:r>
-            <a:r>
-              <a:rPr lang="ru-RU" dirty="0" err="1" smtClean="0"/>
-              <a:t>трябва</a:t>
-            </a:r>
-            <a:r>
-              <a:rPr lang="ru-RU" dirty="0" smtClean="0"/>
-              <a:t> да се </a:t>
-            </a:r>
-            <a:r>
-              <a:rPr lang="ru-RU" dirty="0" err="1" smtClean="0"/>
-              <a:t>създаде</a:t>
-            </a:r>
-            <a:r>
-              <a:rPr lang="ru-RU" dirty="0" smtClean="0"/>
-              <a:t> конкретен функционален </a:t>
-            </a:r>
-            <a:r>
-              <a:rPr lang="ru-RU" dirty="0" err="1" smtClean="0"/>
-              <a:t>модул</a:t>
-            </a:r>
-            <a:r>
-              <a:rPr lang="ru-RU" dirty="0" smtClean="0"/>
-              <a:t>, </a:t>
-            </a:r>
-            <a:r>
-              <a:rPr lang="ru-RU" dirty="0" err="1" smtClean="0"/>
-              <a:t>който</a:t>
-            </a:r>
-            <a:r>
-              <a:rPr lang="ru-RU" dirty="0" smtClean="0"/>
-              <a:t> е </a:t>
-            </a:r>
-            <a:r>
-              <a:rPr lang="ru-RU" dirty="0" err="1" smtClean="0"/>
-              <a:t>заедно</a:t>
-            </a:r>
-            <a:r>
-              <a:rPr lang="ru-RU" dirty="0" smtClean="0"/>
-              <a:t> с </a:t>
-            </a:r>
-            <a:r>
-              <a:rPr lang="ru-RU" dirty="0" err="1" smtClean="0"/>
-              <a:t>още</a:t>
-            </a:r>
-            <a:r>
-              <a:rPr lang="ru-RU" dirty="0" smtClean="0"/>
-              <a:t> два </a:t>
-            </a:r>
-            <a:r>
-              <a:rPr lang="ru-RU" dirty="0" err="1" smtClean="0"/>
-              <a:t>други</a:t>
-            </a:r>
-            <a:r>
-              <a:rPr lang="ru-RU" dirty="0" smtClean="0"/>
-              <a:t> </a:t>
-            </a:r>
-            <a:r>
-              <a:rPr lang="ru-RU" dirty="0" err="1" smtClean="0"/>
-              <a:t>модула</a:t>
-            </a:r>
-            <a:r>
-              <a:rPr lang="ru-RU" dirty="0" smtClean="0"/>
-              <a:t> </a:t>
-            </a:r>
-            <a:r>
-              <a:rPr lang="ru-RU" dirty="0" err="1" smtClean="0"/>
-              <a:t>формира</a:t>
-            </a:r>
-            <a:r>
-              <a:rPr lang="ru-RU" dirty="0" smtClean="0"/>
-              <a:t>  един общ </a:t>
-            </a:r>
-            <a:r>
-              <a:rPr lang="ru-RU" dirty="0" err="1" smtClean="0"/>
-              <a:t>софтуерен</a:t>
-            </a:r>
-            <a:r>
-              <a:rPr lang="ru-RU" dirty="0" smtClean="0"/>
-              <a:t> проект. </a:t>
-            </a:r>
-          </a:p>
-          <a:p>
-            <a:r>
-              <a:rPr lang="ru-RU" dirty="0" err="1" smtClean="0"/>
-              <a:t>Разработчиците</a:t>
-            </a:r>
-            <a:r>
-              <a:rPr lang="ru-RU" dirty="0" smtClean="0"/>
-              <a:t> на </a:t>
-            </a:r>
-            <a:r>
-              <a:rPr lang="ru-RU" dirty="0" err="1" smtClean="0"/>
-              <a:t>отделните</a:t>
-            </a:r>
-            <a:r>
-              <a:rPr lang="ru-RU" dirty="0" smtClean="0"/>
-              <a:t> модули </a:t>
-            </a:r>
-            <a:r>
-              <a:rPr lang="ru-RU" dirty="0" err="1" smtClean="0"/>
-              <a:t>формираме</a:t>
-            </a:r>
-            <a:r>
-              <a:rPr lang="ru-RU" dirty="0" smtClean="0"/>
-              <a:t> общ </a:t>
-            </a:r>
-            <a:r>
-              <a:rPr lang="ru-RU" dirty="0" err="1" smtClean="0"/>
-              <a:t>екип</a:t>
-            </a:r>
-            <a:r>
-              <a:rPr lang="ru-RU" dirty="0" smtClean="0"/>
-              <a:t>. </a:t>
-            </a:r>
-          </a:p>
-          <a:p>
-            <a:r>
-              <a:rPr lang="ru-RU" dirty="0" err="1" smtClean="0"/>
-              <a:t>Екипът</a:t>
-            </a:r>
-            <a:r>
-              <a:rPr lang="ru-RU" dirty="0" smtClean="0"/>
-              <a:t> </a:t>
-            </a:r>
-            <a:r>
-              <a:rPr lang="ru-RU" dirty="0" err="1" smtClean="0"/>
-              <a:t>съвместно</a:t>
-            </a:r>
-            <a:r>
-              <a:rPr lang="ru-RU" dirty="0" smtClean="0"/>
-              <a:t> </a:t>
-            </a:r>
-            <a:r>
-              <a:rPr lang="ru-RU" dirty="0" err="1" smtClean="0"/>
-              <a:t>определя</a:t>
-            </a:r>
-            <a:r>
-              <a:rPr lang="ru-RU" dirty="0" smtClean="0"/>
-              <a:t> </a:t>
-            </a:r>
-            <a:r>
-              <a:rPr lang="ru-RU" dirty="0" err="1" smtClean="0"/>
-              <a:t>стратегията</a:t>
-            </a:r>
-            <a:r>
-              <a:rPr lang="ru-RU" dirty="0" smtClean="0"/>
-              <a:t> на разработка и </a:t>
-            </a:r>
-            <a:r>
-              <a:rPr lang="ru-RU" dirty="0" err="1" smtClean="0"/>
-              <a:t>съгласува</a:t>
-            </a:r>
-            <a:r>
-              <a:rPr lang="ru-RU" dirty="0" smtClean="0"/>
-              <a:t> </a:t>
-            </a:r>
-            <a:r>
-              <a:rPr lang="ru-RU" dirty="0" err="1" smtClean="0"/>
-              <a:t>функционалното</a:t>
-            </a:r>
-            <a:r>
-              <a:rPr lang="ru-RU" dirty="0" smtClean="0"/>
-              <a:t> взаимодействие на </a:t>
-            </a:r>
-            <a:r>
-              <a:rPr lang="ru-RU" dirty="0" err="1" smtClean="0"/>
-              <a:t>отделните</a:t>
-            </a:r>
-            <a:r>
-              <a:rPr lang="ru-RU" dirty="0" smtClean="0"/>
-              <a:t> модули.  </a:t>
-            </a:r>
-          </a:p>
-          <a:p>
-            <a:r>
-              <a:rPr lang="ru-RU" dirty="0" err="1" smtClean="0"/>
-              <a:t>Екипът</a:t>
-            </a:r>
-            <a:r>
-              <a:rPr lang="ru-RU" dirty="0" smtClean="0"/>
-              <a:t> е избрал </a:t>
-            </a:r>
-            <a:r>
-              <a:rPr lang="ru-RU" dirty="0" err="1" smtClean="0"/>
-              <a:t>като</a:t>
-            </a:r>
-            <a:r>
-              <a:rPr lang="ru-RU" dirty="0" smtClean="0"/>
-              <a:t> платформа за разработка </a:t>
-            </a:r>
-            <a:r>
-              <a:rPr lang="ru-RU" dirty="0" err="1" smtClean="0"/>
-              <a:t>езика</a:t>
-            </a:r>
-            <a:r>
-              <a:rPr lang="ru-RU" dirty="0" smtClean="0"/>
-              <a:t> Python.</a:t>
-            </a:r>
+              <a:rPr lang="bg-BG" sz="1200" kern="1200" dirty="0" smtClean="0">
+                <a:solidFill>
+                  <a:schemeClr val="tx1"/>
+                </a:solidFill>
+                <a:effectLst/>
+                <a:latin typeface="+mn-lt"/>
+                <a:ea typeface="+mn-ea"/>
+                <a:cs typeface="+mn-cs"/>
+              </a:rPr>
+              <a:t>Аз съм …….</a:t>
+            </a:r>
+          </a:p>
+          <a:p>
+            <a:r>
+              <a:rPr lang="bg-BG" sz="1200" kern="1200" dirty="0" smtClean="0">
+                <a:solidFill>
+                  <a:schemeClr val="tx1"/>
+                </a:solidFill>
+                <a:effectLst/>
+                <a:latin typeface="+mn-lt"/>
+                <a:ea typeface="+mn-ea"/>
+                <a:cs typeface="+mn-cs"/>
+              </a:rPr>
+              <a:t>Темата на моя дипломен проект е …</a:t>
+            </a:r>
+          </a:p>
+          <a:p>
+            <a:r>
+              <a:rPr lang="bg-BG" sz="1200" kern="1200" dirty="0" smtClean="0">
+                <a:solidFill>
+                  <a:schemeClr val="tx1"/>
+                </a:solidFill>
+                <a:effectLst/>
+                <a:latin typeface="+mn-lt"/>
+                <a:ea typeface="+mn-ea"/>
+                <a:cs typeface="+mn-cs"/>
+              </a:rPr>
+              <a:t>Заданието предполага, че трябва да се създаде конкретен функционален модул, който, заедно с още два други модула, формира  един общ софтуерен проект. Разработчиците на отделните модули формираме общ екип. Екипът съвместно определя стратегията на разработка и съгласува функционалното взаимодействие на отделните модули.  Екипът е избрал като платформа за разработка езика </a:t>
+            </a:r>
+            <a:r>
+              <a:rPr lang="en-US" sz="1200" kern="1200" dirty="0" smtClean="0">
+                <a:solidFill>
+                  <a:schemeClr val="tx1"/>
+                </a:solidFill>
+                <a:effectLst/>
+                <a:latin typeface="+mn-lt"/>
+                <a:ea typeface="+mn-ea"/>
+                <a:cs typeface="+mn-cs"/>
+              </a:rPr>
+              <a:t>Python.</a:t>
+            </a:r>
+            <a:endParaRPr lang="bg-BG" sz="1200" kern="1200" dirty="0" smtClean="0">
+              <a:solidFill>
+                <a:schemeClr val="tx1"/>
+              </a:solidFill>
+              <a:effectLst/>
+              <a:latin typeface="+mn-lt"/>
+              <a:ea typeface="+mn-ea"/>
+              <a:cs typeface="+mn-cs"/>
+            </a:endParaRPr>
           </a:p>
           <a:p>
             <a:endParaRPr lang="bg-BG" dirty="0"/>
@@ -829,6 +611,237 @@
     <p:extLst>
       <p:ext uri="{BB962C8B-B14F-4D97-AF65-F5344CB8AC3E}">
         <p14:creationId xmlns:p14="http://schemas.microsoft.com/office/powerpoint/2010/main" val="1371389465"/>
+      </p:ext>
+    </p:extLst>
+  </p:cSld>
+  <p:clrMapOvr>
+    <a:masterClrMapping/>
+  </p:clrMapOvr>
+</p:notes>
+</file>
+
+<file path=ppt/notesSlides/notesSlide2.xml><?xml version="1.0" encoding="utf-8"?>
+<p:notes xmlns:a="http://schemas.openxmlformats.org/drawingml/2006/main" xmlns:r="http://schemas.openxmlformats.org/officeDocument/2006/relationships" xmlns:p="http://schemas.openxmlformats.org/presentationml/2006/main">
+  <p:cSld>
+    <p:spTree>
+      <p:nvGrpSpPr>
+        <p:cNvPr id="1" name=""/>
+        <p:cNvGrpSpPr/>
+        <p:nvPr/>
+      </p:nvGrpSpPr>
+      <p:grpSpPr>
+        <a:xfrm>
+          <a:off x="0" y="0"/>
+          <a:ext cx="0" cy="0"/>
+          <a:chOff x="0" y="0"/>
+          <a:chExt cx="0" cy="0"/>
+        </a:xfrm>
+      </p:grpSpPr>
+      <p:sp>
+        <p:nvSpPr>
+          <p:cNvPr id="2" name="Контейнер за изображение на слайда 1"/>
+          <p:cNvSpPr>
+            <a:spLocks noGrp="1" noRot="1" noChangeAspect="1"/>
+          </p:cNvSpPr>
+          <p:nvPr>
+            <p:ph type="sldImg"/>
+          </p:nvPr>
+        </p:nvSpPr>
+        <p:spPr/>
+      </p:sp>
+      <p:sp>
+        <p:nvSpPr>
+          <p:cNvPr id="3" name="Контейнер за бележки 2"/>
+          <p:cNvSpPr>
+            <a:spLocks noGrp="1"/>
+          </p:cNvSpPr>
+          <p:nvPr>
+            <p:ph type="body" idx="1"/>
+          </p:nvPr>
+        </p:nvSpPr>
+        <p:spPr/>
+        <p:txBody>
+          <a:bodyPr/>
+          <a:lstStyle/>
+          <a:p>
+            <a:endParaRPr lang="bg-BG" dirty="0"/>
+          </a:p>
+        </p:txBody>
+      </p:sp>
+      <p:sp>
+        <p:nvSpPr>
+          <p:cNvPr id="4" name="Контейнер за номер на слайда 3"/>
+          <p:cNvSpPr>
+            <a:spLocks noGrp="1"/>
+          </p:cNvSpPr>
+          <p:nvPr>
+            <p:ph type="sldNum" sz="quarter" idx="10"/>
+          </p:nvPr>
+        </p:nvSpPr>
+        <p:spPr/>
+        <p:txBody>
+          <a:bodyPr/>
+          <a:lstStyle/>
+          <a:p>
+            <a:fld id="{E84AD828-BD92-49EA-9217-C933EB042171}" type="slidenum">
+              <a:rPr lang="bg-BG" smtClean="0"/>
+              <a:t>3</a:t>
+            </a:fld>
+            <a:endParaRPr lang="bg-BG"/>
+          </a:p>
+        </p:txBody>
+      </p:sp>
+    </p:spTree>
+    <p:extLst>
+      <p:ext uri="{BB962C8B-B14F-4D97-AF65-F5344CB8AC3E}">
+        <p14:creationId xmlns:p14="http://schemas.microsoft.com/office/powerpoint/2010/main" val="146780"/>
+      </p:ext>
+    </p:extLst>
+  </p:cSld>
+  <p:clrMapOvr>
+    <a:masterClrMapping/>
+  </p:clrMapOvr>
+</p:notes>
+</file>
+
+<file path=ppt/notesSlides/notesSlide3.xml><?xml version="1.0" encoding="utf-8"?>
+<p:notes xmlns:a="http://schemas.openxmlformats.org/drawingml/2006/main" xmlns:r="http://schemas.openxmlformats.org/officeDocument/2006/relationships" xmlns:p="http://schemas.openxmlformats.org/presentationml/2006/main">
+  <p:cSld>
+    <p:spTree>
+      <p:nvGrpSpPr>
+        <p:cNvPr id="1" name=""/>
+        <p:cNvGrpSpPr/>
+        <p:nvPr/>
+      </p:nvGrpSpPr>
+      <p:grpSpPr>
+        <a:xfrm>
+          <a:off x="0" y="0"/>
+          <a:ext cx="0" cy="0"/>
+          <a:chOff x="0" y="0"/>
+          <a:chExt cx="0" cy="0"/>
+        </a:xfrm>
+      </p:grpSpPr>
+      <p:sp>
+        <p:nvSpPr>
+          <p:cNvPr id="2" name="Контейнер за изображение на слайда 1"/>
+          <p:cNvSpPr>
+            <a:spLocks noGrp="1" noRot="1" noChangeAspect="1"/>
+          </p:cNvSpPr>
+          <p:nvPr>
+            <p:ph type="sldImg"/>
+          </p:nvPr>
+        </p:nvSpPr>
+        <p:spPr/>
+      </p:sp>
+      <p:sp>
+        <p:nvSpPr>
+          <p:cNvPr id="3" name="Контейнер за бележки 2"/>
+          <p:cNvSpPr>
+            <a:spLocks noGrp="1"/>
+          </p:cNvSpPr>
+          <p:nvPr>
+            <p:ph type="body" idx="1"/>
+          </p:nvPr>
+        </p:nvSpPr>
+        <p:spPr/>
+        <p:txBody>
+          <a:bodyPr/>
+          <a:lstStyle/>
+          <a:p>
+            <a:r>
+              <a:rPr lang="bg-BG" sz="1200" kern="1200" dirty="0" smtClean="0">
+                <a:solidFill>
+                  <a:schemeClr val="tx1"/>
+                </a:solidFill>
+                <a:effectLst/>
+                <a:latin typeface="+mn-lt"/>
+                <a:ea typeface="+mn-ea"/>
+                <a:cs typeface="+mn-cs"/>
+              </a:rPr>
+              <a:t>Аз съм …….</a:t>
+            </a:r>
+          </a:p>
+          <a:p>
+            <a:r>
+              <a:rPr lang="bg-BG" sz="1200" kern="1200" dirty="0" smtClean="0">
+                <a:solidFill>
+                  <a:schemeClr val="tx1"/>
+                </a:solidFill>
+                <a:effectLst/>
+                <a:latin typeface="+mn-lt"/>
+                <a:ea typeface="+mn-ea"/>
+                <a:cs typeface="+mn-cs"/>
+              </a:rPr>
+              <a:t>Темата на моя дипломен проект е …</a:t>
+            </a:r>
+          </a:p>
+          <a:p>
+            <a:r>
+              <a:rPr lang="bg-BG" sz="1200" kern="1200" dirty="0" smtClean="0">
+                <a:solidFill>
+                  <a:schemeClr val="tx1"/>
+                </a:solidFill>
+                <a:effectLst/>
+                <a:latin typeface="+mn-lt"/>
+                <a:ea typeface="+mn-ea"/>
+                <a:cs typeface="+mn-cs"/>
+              </a:rPr>
+              <a:t>Заданието предполага, че трябва да се създаде конкретен функционален модул, който, заедно с още два други модула, формира  един общ софтуерен проект. Разработчиците на отделните модули формираме общ екип. Екипът съвместно определя стратегията на разработка и съгласува функционалното взаимодействие на отделните модули.  Екипът е избрал като платформа за разработка езика </a:t>
+            </a:r>
+            <a:r>
+              <a:rPr lang="en-US" sz="1200" kern="1200" dirty="0" smtClean="0">
+                <a:solidFill>
+                  <a:schemeClr val="tx1"/>
+                </a:solidFill>
+                <a:effectLst/>
+                <a:latin typeface="+mn-lt"/>
+                <a:ea typeface="+mn-ea"/>
+                <a:cs typeface="+mn-cs"/>
+              </a:rPr>
+              <a:t>Python.</a:t>
+            </a:r>
+            <a:endParaRPr lang="bg-BG" sz="1200" kern="1200" dirty="0" smtClean="0">
+              <a:solidFill>
+                <a:schemeClr val="tx1"/>
+              </a:solidFill>
+              <a:effectLst/>
+              <a:latin typeface="+mn-lt"/>
+              <a:ea typeface="+mn-ea"/>
+              <a:cs typeface="+mn-cs"/>
+            </a:endParaRPr>
+          </a:p>
+          <a:p>
+            <a:endParaRPr lang="bg-BG" dirty="0"/>
+          </a:p>
+        </p:txBody>
+      </p:sp>
+      <p:sp>
+        <p:nvSpPr>
+          <p:cNvPr id="4" name="Контейнер за номер на слайда 3"/>
+          <p:cNvSpPr>
+            <a:spLocks noGrp="1"/>
+          </p:cNvSpPr>
+          <p:nvPr>
+            <p:ph type="sldNum" sz="quarter" idx="10"/>
+          </p:nvPr>
+        </p:nvSpPr>
+        <p:spPr/>
+        <p:txBody>
+          <a:bodyPr/>
+          <a:lstStyle/>
+          <a:p>
+            <a:fld id="{E84AD828-BD92-49EA-9217-C933EB042171}" type="slidenum">
+              <a:rPr lang="bg-BG" smtClean="0"/>
+              <a:t>6</a:t>
+            </a:fld>
+            <a:endParaRPr lang="bg-BG"/>
+          </a:p>
+        </p:txBody>
+      </p:sp>
+    </p:spTree>
+    <p:extLst>
+      <p:ext uri="{BB962C8B-B14F-4D97-AF65-F5344CB8AC3E}">
+        <p14:creationId xmlns:p14="http://schemas.microsoft.com/office/powerpoint/2010/main" val="2786950890"/>
       </p:ext>
     </p:extLst>
   </p:cSld>
@@ -1029,7 +1042,7 @@
           <a:p>
             <a:fld id="{0E7292C4-3C06-4E9D-B419-9BA580C2F0F1}" type="datetimeFigureOut">
               <a:rPr lang="bg-BG" smtClean="0"/>
-              <a:t>13.05.2023</a:t>
+              <a:t>18.05.2023</a:t>
             </a:fld>
             <a:endParaRPr lang="bg-BG"/>
           </a:p>
@@ -1465,7 +1478,7 @@
           <a:p>
             <a:fld id="{0E7292C4-3C06-4E9D-B419-9BA580C2F0F1}" type="datetimeFigureOut">
               <a:rPr lang="bg-BG" smtClean="0"/>
-              <a:t>13.05.2023</a:t>
+              <a:t>18.05.2023</a:t>
             </a:fld>
             <a:endParaRPr lang="bg-BG"/>
           </a:p>
@@ -1715,7 +1728,7 @@
           <a:p>
             <a:fld id="{0E7292C4-3C06-4E9D-B419-9BA580C2F0F1}" type="datetimeFigureOut">
               <a:rPr lang="bg-BG" smtClean="0"/>
-              <a:t>13.05.2023</a:t>
+              <a:t>18.05.2023</a:t>
             </a:fld>
             <a:endParaRPr lang="bg-BG"/>
           </a:p>
@@ -2023,7 +2036,7 @@
           <a:p>
             <a:fld id="{0E7292C4-3C06-4E9D-B419-9BA580C2F0F1}" type="datetimeFigureOut">
               <a:rPr lang="bg-BG" smtClean="0"/>
-              <a:t>13.05.2023</a:t>
+              <a:t>18.05.2023</a:t>
             </a:fld>
             <a:endParaRPr lang="bg-BG"/>
           </a:p>
@@ -2341,7 +2354,7 @@
           <a:p>
             <a:fld id="{0E7292C4-3C06-4E9D-B419-9BA580C2F0F1}" type="datetimeFigureOut">
               <a:rPr lang="bg-BG" smtClean="0"/>
-              <a:t>13.05.2023</a:t>
+              <a:t>18.05.2023</a:t>
             </a:fld>
             <a:endParaRPr lang="bg-BG"/>
           </a:p>
@@ -2643,7 +2656,7 @@
           <a:p>
             <a:fld id="{0E7292C4-3C06-4E9D-B419-9BA580C2F0F1}" type="datetimeFigureOut">
               <a:rPr lang="bg-BG" smtClean="0"/>
-              <a:t>13.05.2023</a:t>
+              <a:t>18.05.2023</a:t>
             </a:fld>
             <a:endParaRPr lang="bg-BG"/>
           </a:p>
@@ -3010,7 +3023,7 @@
           <a:p>
             <a:fld id="{0E7292C4-3C06-4E9D-B419-9BA580C2F0F1}" type="datetimeFigureOut">
               <a:rPr lang="bg-BG" smtClean="0"/>
-              <a:t>13.05.2023</a:t>
+              <a:t>18.05.2023</a:t>
             </a:fld>
             <a:endParaRPr lang="bg-BG"/>
           </a:p>
@@ -3184,7 +3197,7 @@
           <a:p>
             <a:fld id="{0E7292C4-3C06-4E9D-B419-9BA580C2F0F1}" type="datetimeFigureOut">
               <a:rPr lang="bg-BG" smtClean="0"/>
-              <a:t>13.05.2023</a:t>
+              <a:t>18.05.2023</a:t>
             </a:fld>
             <a:endParaRPr lang="bg-BG"/>
           </a:p>
@@ -3364,7 +3377,7 @@
           <a:p>
             <a:fld id="{0E7292C4-3C06-4E9D-B419-9BA580C2F0F1}" type="datetimeFigureOut">
               <a:rPr lang="bg-BG" smtClean="0"/>
-              <a:t>13.05.2023</a:t>
+              <a:t>18.05.2023</a:t>
             </a:fld>
             <a:endParaRPr lang="bg-BG"/>
           </a:p>
@@ -3534,7 +3547,7 @@
           <a:p>
             <a:fld id="{0E7292C4-3C06-4E9D-B419-9BA580C2F0F1}" type="datetimeFigureOut">
               <a:rPr lang="bg-BG" smtClean="0"/>
-              <a:t>13.05.2023</a:t>
+              <a:t>18.05.2023</a:t>
             </a:fld>
             <a:endParaRPr lang="bg-BG"/>
           </a:p>
@@ -3784,7 +3797,7 @@
           <a:p>
             <a:fld id="{0E7292C4-3C06-4E9D-B419-9BA580C2F0F1}" type="datetimeFigureOut">
               <a:rPr lang="bg-BG" smtClean="0"/>
-              <a:t>13.05.2023</a:t>
+              <a:t>18.05.2023</a:t>
             </a:fld>
             <a:endParaRPr lang="bg-BG"/>
           </a:p>
@@ -4020,7 +4033,7 @@
           <a:p>
             <a:fld id="{0E7292C4-3C06-4E9D-B419-9BA580C2F0F1}" type="datetimeFigureOut">
               <a:rPr lang="bg-BG" smtClean="0"/>
-              <a:t>13.05.2023</a:t>
+              <a:t>18.05.2023</a:t>
             </a:fld>
             <a:endParaRPr lang="bg-BG"/>
           </a:p>
@@ -4402,7 +4415,7 @@
           <a:p>
             <a:fld id="{0E7292C4-3C06-4E9D-B419-9BA580C2F0F1}" type="datetimeFigureOut">
               <a:rPr lang="bg-BG" smtClean="0"/>
-              <a:t>13.05.2023</a:t>
+              <a:t>18.05.2023</a:t>
             </a:fld>
             <a:endParaRPr lang="bg-BG"/>
           </a:p>
@@ -4520,7 +4533,7 @@
           <a:p>
             <a:fld id="{0E7292C4-3C06-4E9D-B419-9BA580C2F0F1}" type="datetimeFigureOut">
               <a:rPr lang="bg-BG" smtClean="0"/>
-              <a:t>13.05.2023</a:t>
+              <a:t>18.05.2023</a:t>
             </a:fld>
             <a:endParaRPr lang="bg-BG"/>
           </a:p>
@@ -4615,7 +4628,7 @@
           <a:p>
             <a:fld id="{0E7292C4-3C06-4E9D-B419-9BA580C2F0F1}" type="datetimeFigureOut">
               <a:rPr lang="bg-BG" smtClean="0"/>
-              <a:t>13.05.2023</a:t>
+              <a:t>18.05.2023</a:t>
             </a:fld>
             <a:endParaRPr lang="bg-BG"/>
           </a:p>
@@ -4870,7 +4883,7 @@
           <a:p>
             <a:fld id="{0E7292C4-3C06-4E9D-B419-9BA580C2F0F1}" type="datetimeFigureOut">
               <a:rPr lang="bg-BG" smtClean="0"/>
-              <a:t>13.05.2023</a:t>
+              <a:t>18.05.2023</a:t>
             </a:fld>
             <a:endParaRPr lang="bg-BG"/>
           </a:p>
@@ -5153,7 +5166,7 @@
           <a:p>
             <a:fld id="{0E7292C4-3C06-4E9D-B419-9BA580C2F0F1}" type="datetimeFigureOut">
               <a:rPr lang="bg-BG" smtClean="0"/>
-              <a:t>13.05.2023</a:t>
+              <a:t>18.05.2023</a:t>
             </a:fld>
             <a:endParaRPr lang="bg-BG"/>
           </a:p>
@@ -5559,7 +5572,7 @@
           <a:p>
             <a:fld id="{0E7292C4-3C06-4E9D-B419-9BA580C2F0F1}" type="datetimeFigureOut">
               <a:rPr lang="bg-BG" smtClean="0"/>
-              <a:t>13.05.2023</a:t>
+              <a:t>18.05.2023</a:t>
             </a:fld>
             <a:endParaRPr lang="bg-BG"/>
           </a:p>
@@ -6161,7 +6174,7 @@
           <p:cNvPr id="8" name="Текстово поле 7">
             <a:extLst>
               <a:ext uri="{FF2B5EF4-FFF2-40B4-BE49-F238E27FC236}">
-                <a16:creationId xmlns:a16="http://schemas.microsoft.com/office/drawing/2014/main" xmlns="" id="{52B66409-803E-D561-DC77-FCD69E182E67}"/>
+                <a16:creationId xmlns="" xmlns:a16="http://schemas.microsoft.com/office/drawing/2014/main" id="{52B66409-803E-D561-DC77-FCD69E182E67}"/>
               </a:ext>
             </a:extLst>
           </p:cNvPr>
@@ -6747,6 +6760,181 @@
     <p:extLst>
       <p:ext uri="{BB962C8B-B14F-4D97-AF65-F5344CB8AC3E}">
         <p14:creationId xmlns:p14="http://schemas.microsoft.com/office/powerpoint/2010/main" val="274341170"/>
+      </p:ext>
+    </p:extLst>
+  </p:cSld>
+  <p:clrMapOvr>
+    <a:masterClrMapping/>
+  </p:clrMapOvr>
+  <p:timing>
+    <p:tnLst>
+      <p:par>
+        <p:cTn id="1" dur="indefinite" restart="never" nodeType="tmRoot"/>
+      </p:par>
+    </p:tnLst>
+  </p:timing>
+</p:sld>
+</file>
+
+<file path=ppt/slides/slide6.xml><?xml version="1.0" encoding="utf-8"?>
+<p:sld xmlns:a="http://schemas.openxmlformats.org/drawingml/2006/main" xmlns:r="http://schemas.openxmlformats.org/officeDocument/2006/relationships" xmlns:p="http://schemas.openxmlformats.org/presentationml/2006/main">
+  <p:cSld>
+    <p:spTree>
+      <p:nvGrpSpPr>
+        <p:cNvPr id="1" name=""/>
+        <p:cNvGrpSpPr/>
+        <p:nvPr/>
+      </p:nvGrpSpPr>
+      <p:grpSpPr>
+        <a:xfrm>
+          <a:off x="0" y="0"/>
+          <a:ext cx="0" cy="0"/>
+          <a:chOff x="0" y="0"/>
+          <a:chExt cx="0" cy="0"/>
+        </a:xfrm>
+      </p:grpSpPr>
+      <p:sp>
+        <p:nvSpPr>
+          <p:cNvPr id="2" name="Заглавие 1"/>
+          <p:cNvSpPr>
+            <a:spLocks noGrp="1"/>
+          </p:cNvSpPr>
+          <p:nvPr>
+            <p:ph type="ctrTitle"/>
+          </p:nvPr>
+        </p:nvSpPr>
+        <p:spPr/>
+        <p:txBody>
+          <a:bodyPr/>
+          <a:lstStyle/>
+          <a:p>
+            <a:endParaRPr lang="bg-BG"/>
+          </a:p>
+        </p:txBody>
+      </p:sp>
+      <p:sp>
+        <p:nvSpPr>
+          <p:cNvPr id="3" name="Подзаглавие 2"/>
+          <p:cNvSpPr>
+            <a:spLocks noGrp="1"/>
+          </p:cNvSpPr>
+          <p:nvPr>
+            <p:ph type="subTitle" idx="1"/>
+          </p:nvPr>
+        </p:nvSpPr>
+        <p:spPr/>
+        <p:txBody>
+          <a:bodyPr/>
+          <a:lstStyle/>
+          <a:p>
+            <a:endParaRPr lang="bg-BG"/>
+          </a:p>
+        </p:txBody>
+      </p:sp>
+      <p:pic>
+        <p:nvPicPr>
+          <p:cNvPr id="4" name="Картина 3"/>
+          <p:cNvPicPr>
+            <a:picLocks noChangeAspect="1"/>
+          </p:cNvPicPr>
+          <p:nvPr/>
+        </p:nvPicPr>
+        <p:blipFill>
+          <a:blip r:embed="rId3"/>
+          <a:stretch>
+            <a:fillRect/>
+          </a:stretch>
+        </p:blipFill>
+        <p:spPr>
+          <a:xfrm>
+            <a:off x="8616" y="5799"/>
+            <a:ext cx="12174767" cy="6846401"/>
+          </a:xfrm>
+          <a:prstGeom prst="rect">
+            <a:avLst/>
+          </a:prstGeom>
+        </p:spPr>
+      </p:pic>
+      <p:sp>
+        <p:nvSpPr>
+          <p:cNvPr id="9" name="Текстово поле 8"/>
+          <p:cNvSpPr txBox="1"/>
+          <p:nvPr/>
+        </p:nvSpPr>
+        <p:spPr>
+          <a:xfrm>
+            <a:off x="300085" y="5791172"/>
+            <a:ext cx="7741258" cy="707886"/>
+          </a:xfrm>
+          <a:prstGeom prst="rect">
+            <a:avLst/>
+          </a:prstGeom>
+          <a:gradFill flip="none" rotWithShape="1">
+            <a:gsLst>
+              <a:gs pos="0">
+                <a:schemeClr val="accent1">
+                  <a:lumMod val="75000"/>
+                  <a:alpha val="0"/>
+                </a:schemeClr>
+              </a:gs>
+              <a:gs pos="48000">
+                <a:schemeClr val="accent1">
+                  <a:lumMod val="75000"/>
+                  <a:alpha val="51000"/>
+                </a:schemeClr>
+              </a:gs>
+              <a:gs pos="100000">
+                <a:schemeClr val="accent5">
+                  <a:lumMod val="100000"/>
+                  <a:alpha val="0"/>
+                </a:schemeClr>
+              </a:gs>
+            </a:gsLst>
+            <a:path path="circle">
+              <a:fillToRect l="50000" t="-80000" r="50000" b="180000"/>
+            </a:path>
+            <a:tileRect/>
+          </a:gradFill>
+          <a:effectLst>
+            <a:outerShdw blurRad="50800" dist="38100" dir="2700000" algn="tl" rotWithShape="0">
+              <a:prstClr val="black">
+                <a:alpha val="40000"/>
+              </a:prstClr>
+            </a:outerShdw>
+          </a:effectLst>
+        </p:spPr>
+        <p:txBody>
+          <a:bodyPr wrap="square" rtlCol="0">
+            <a:spAutoFit/>
+          </a:bodyPr>
+          <a:lstStyle/>
+          <a:p>
+            <a:r>
+              <a:rPr lang="bg-BG" sz="4000" b="1" i="1" dirty="0" smtClean="0">
+                <a:solidFill>
+                  <a:schemeClr val="accent1">
+                    <a:lumMod val="60000"/>
+                    <a:lumOff val="40000"/>
+                  </a:schemeClr>
+                </a:solidFill>
+              </a:rPr>
+              <a:t>Благодаря за вниманието!</a:t>
+            </a:r>
+            <a:endParaRPr lang="bg-BG" sz="4000" b="1" i="1" dirty="0" smtClean="0">
+              <a:solidFill>
+                <a:schemeClr val="accent1">
+                  <a:lumMod val="60000"/>
+                  <a:lumOff val="40000"/>
+                </a:schemeClr>
+              </a:solidFill>
+            </a:endParaRPr>
+          </a:p>
+        </p:txBody>
+      </p:sp>
+    </p:spTree>
+    <p:extLst>
+      <p:ext uri="{BB962C8B-B14F-4D97-AF65-F5344CB8AC3E}">
+        <p14:creationId xmlns:p14="http://schemas.microsoft.com/office/powerpoint/2010/main" val="1750061156"/>
       </p:ext>
     </p:extLst>
   </p:cSld>
